--- a/lectures/5_resources_and_feedback.pptx
+++ b/lectures/5_resources_and_feedback.pptx
@@ -5,7 +5,7 @@
     <p:sldMasterId id="2147483660" r:id="rId1"/>
   </p:sldMasterIdLst>
   <p:notesMasterIdLst>
-    <p:notesMasterId r:id="rId8"/>
+    <p:notesMasterId r:id="rId9"/>
   </p:notesMasterIdLst>
   <p:sldIdLst>
     <p:sldId id="279" r:id="rId2"/>
@@ -14,6 +14,7 @@
     <p:sldId id="281" r:id="rId5"/>
     <p:sldId id="282" r:id="rId6"/>
     <p:sldId id="283" r:id="rId7"/>
+    <p:sldId id="284" r:id="rId8"/>
   </p:sldIdLst>
   <p:sldSz cx="12192000" cy="6858000"/>
   <p:notesSz cx="6858000" cy="9144000"/>
@@ -205,7 +206,7 @@
           <a:p>
             <a:fld id="{7580552C-E0FB-45E2-A101-ECC7D678B809}" type="datetimeFigureOut">
               <a:rPr lang="en-GB" smtClean="0"/>
-              <a:t>20/08/2019</a:t>
+              <a:t>21/08/2019</a:t>
             </a:fld>
             <a:endParaRPr lang="en-GB"/>
           </a:p>
@@ -517,14 +518,6 @@
           <a:bodyPr/>
           <a:lstStyle/>
           <a:p>
-            <a:r>
-              <a:rPr lang="en-GB" dirty="0"/>
-              <a:t>Title</a:t>
-            </a:r>
-            <a:r>
-              <a:rPr lang="en-GB" baseline="0" dirty="0"/>
-              <a:t> slide: how to write good code part 3</a:t>
-            </a:r>
             <a:endParaRPr lang="en-GB" dirty="0"/>
           </a:p>
         </p:txBody>
@@ -609,74 +602,6 @@
           <a:bodyPr/>
           <a:lstStyle/>
           <a:p>
-            <a:r>
-              <a:rPr lang="en-GB" dirty="0"/>
-              <a:t>Last time (part 1) we covered naming conventions, code layout and commenting.</a:t>
-            </a:r>
-          </a:p>
-          <a:p>
-            <a:endParaRPr lang="en-GB" dirty="0"/>
-          </a:p>
-          <a:p>
-            <a:r>
-              <a:rPr lang="en-GB" dirty="0"/>
-              <a:t>We will cover part two today, discussing conceptualisation, externalisation and the use of functions. </a:t>
-            </a:r>
-          </a:p>
-          <a:p>
-            <a:r>
-              <a:rPr lang="en-GB" dirty="0"/>
-              <a:t>Conceptualisation </a:t>
-            </a:r>
-            <a:r>
-              <a:rPr lang="en-GB" dirty="0">
-                <a:sym typeface="Wingdings" panose="05000000000000000000" pitchFamily="2" charset="2"/>
-              </a:rPr>
-              <a:t> thinking about the best way to organise your code and variables, e.g. </a:t>
-            </a:r>
-            <a:r>
-              <a:rPr lang="en-GB" dirty="0"/>
-              <a:t>– don’t copy and paste, don’t use numbers in variable names </a:t>
-            </a:r>
-          </a:p>
-          <a:p>
-            <a:r>
-              <a:rPr lang="en-GB" dirty="0"/>
-              <a:t>Externalisation </a:t>
-            </a:r>
-            <a:r>
-              <a:rPr lang="en-GB" dirty="0">
-                <a:sym typeface="Wingdings" panose="05000000000000000000" pitchFamily="2" charset="2"/>
-              </a:rPr>
-              <a:t> if you run code on a different machine, it should still work, e.g. don’t use cd, don’t hard code variables, use </a:t>
-            </a:r>
-            <a:r>
-              <a:rPr lang="en-GB" dirty="0" err="1">
-                <a:sym typeface="Wingdings" panose="05000000000000000000" pitchFamily="2" charset="2"/>
-              </a:rPr>
-              <a:t>fullfile</a:t>
-            </a:r>
-            <a:r>
-              <a:rPr lang="en-GB" dirty="0">
-                <a:sym typeface="Wingdings" panose="05000000000000000000" pitchFamily="2" charset="2"/>
-              </a:rPr>
-              <a:t> to access saved files or to save figures and variables </a:t>
-            </a:r>
-          </a:p>
-          <a:p>
-            <a:endParaRPr lang="en-GB" dirty="0">
-              <a:sym typeface="Wingdings" panose="05000000000000000000" pitchFamily="2" charset="2"/>
-            </a:endParaRPr>
-          </a:p>
-          <a:p>
-            <a:r>
-              <a:rPr lang="en-GB" dirty="0">
-                <a:sym typeface="Wingdings" panose="05000000000000000000" pitchFamily="2" charset="2"/>
-              </a:rPr>
-              <a:t>Part three (next week) will cover debugging and testing your code </a:t>
-            </a:r>
-          </a:p>
-          <a:p>
             <a:endParaRPr lang="en-GB" dirty="0"/>
           </a:p>
         </p:txBody>
@@ -848,7 +773,7 @@
           <a:p>
             <a:fld id="{D6602127-F9A8-4410-95C3-55BC73E82165}" type="datetimeFigureOut">
               <a:rPr lang="en-GB" smtClean="0"/>
-              <a:t>20/08/2019</a:t>
+              <a:t>21/08/2019</a:t>
             </a:fld>
             <a:endParaRPr lang="en-GB"/>
           </a:p>
@@ -1018,7 +943,7 @@
           <a:p>
             <a:fld id="{D6602127-F9A8-4410-95C3-55BC73E82165}" type="datetimeFigureOut">
               <a:rPr lang="en-GB" smtClean="0"/>
-              <a:t>20/08/2019</a:t>
+              <a:t>21/08/2019</a:t>
             </a:fld>
             <a:endParaRPr lang="en-GB"/>
           </a:p>
@@ -1198,7 +1123,7 @@
           <a:p>
             <a:fld id="{D6602127-F9A8-4410-95C3-55BC73E82165}" type="datetimeFigureOut">
               <a:rPr lang="en-GB" smtClean="0"/>
-              <a:t>20/08/2019</a:t>
+              <a:t>21/08/2019</a:t>
             </a:fld>
             <a:endParaRPr lang="en-GB"/>
           </a:p>
@@ -1368,7 +1293,7 @@
           <a:p>
             <a:fld id="{D6602127-F9A8-4410-95C3-55BC73E82165}" type="datetimeFigureOut">
               <a:rPr lang="en-GB" smtClean="0"/>
-              <a:t>20/08/2019</a:t>
+              <a:t>21/08/2019</a:t>
             </a:fld>
             <a:endParaRPr lang="en-GB"/>
           </a:p>
@@ -1614,7 +1539,7 @@
           <a:p>
             <a:fld id="{D6602127-F9A8-4410-95C3-55BC73E82165}" type="datetimeFigureOut">
               <a:rPr lang="en-GB" smtClean="0"/>
-              <a:t>20/08/2019</a:t>
+              <a:t>21/08/2019</a:t>
             </a:fld>
             <a:endParaRPr lang="en-GB"/>
           </a:p>
@@ -1846,7 +1771,7 @@
           <a:p>
             <a:fld id="{D6602127-F9A8-4410-95C3-55BC73E82165}" type="datetimeFigureOut">
               <a:rPr lang="en-GB" smtClean="0"/>
-              <a:t>20/08/2019</a:t>
+              <a:t>21/08/2019</a:t>
             </a:fld>
             <a:endParaRPr lang="en-GB"/>
           </a:p>
@@ -2218,7 +2143,7 @@
           <a:p>
             <a:fld id="{D6602127-F9A8-4410-95C3-55BC73E82165}" type="datetimeFigureOut">
               <a:rPr lang="en-GB" smtClean="0"/>
-              <a:t>20/08/2019</a:t>
+              <a:t>21/08/2019</a:t>
             </a:fld>
             <a:endParaRPr lang="en-GB"/>
           </a:p>
@@ -2341,7 +2266,7 @@
           <a:p>
             <a:fld id="{D6602127-F9A8-4410-95C3-55BC73E82165}" type="datetimeFigureOut">
               <a:rPr lang="en-GB" smtClean="0"/>
-              <a:t>20/08/2019</a:t>
+              <a:t>21/08/2019</a:t>
             </a:fld>
             <a:endParaRPr lang="en-GB"/>
           </a:p>
@@ -2436,7 +2361,7 @@
           <a:p>
             <a:fld id="{D6602127-F9A8-4410-95C3-55BC73E82165}" type="datetimeFigureOut">
               <a:rPr lang="en-GB" smtClean="0"/>
-              <a:t>20/08/2019</a:t>
+              <a:t>21/08/2019</a:t>
             </a:fld>
             <a:endParaRPr lang="en-GB"/>
           </a:p>
@@ -2713,7 +2638,7 @@
           <a:p>
             <a:fld id="{D6602127-F9A8-4410-95C3-55BC73E82165}" type="datetimeFigureOut">
               <a:rPr lang="en-GB" smtClean="0"/>
-              <a:t>20/08/2019</a:t>
+              <a:t>21/08/2019</a:t>
             </a:fld>
             <a:endParaRPr lang="en-GB"/>
           </a:p>
@@ -2975,7 +2900,7 @@
           <a:p>
             <a:fld id="{D6602127-F9A8-4410-95C3-55BC73E82165}" type="datetimeFigureOut">
               <a:rPr lang="en-GB" smtClean="0"/>
-              <a:t>20/08/2019</a:t>
+              <a:t>21/08/2019</a:t>
             </a:fld>
             <a:endParaRPr lang="en-GB"/>
           </a:p>
@@ -3188,7 +3113,7 @@
           <a:p>
             <a:fld id="{D6602127-F9A8-4410-95C3-55BC73E82165}" type="datetimeFigureOut">
               <a:rPr lang="en-GB" smtClean="0"/>
-              <a:t>20/08/2019</a:t>
+              <a:t>21/08/2019</a:t>
             </a:fld>
             <a:endParaRPr lang="en-GB"/>
           </a:p>
@@ -4228,10 +4153,9 @@
           <a:lstStyle/>
           <a:p>
             <a:r>
-              <a:rPr lang="en-GB" dirty="0" err="1"/>
-              <a:t>Github</a:t>
-            </a:r>
-            <a:endParaRPr lang="en-GB" dirty="0"/>
+              <a:rPr lang="en-GB" dirty="0"/>
+              <a:t>Git</a:t>
+            </a:r>
           </a:p>
           <a:p>
             <a:pPr lvl="1"/>
@@ -4259,6 +4183,26 @@
               </a:rPr>
               <a:t>https://guides.github.com/activities/hello-world/</a:t>
             </a:r>
+            <a:endParaRPr lang="en-GB" dirty="0"/>
+          </a:p>
+          <a:p>
+            <a:r>
+              <a:rPr lang="en-GB" dirty="0"/>
+              <a:t>Object-oriented programming (OOP)</a:t>
+            </a:r>
+          </a:p>
+          <a:p>
+            <a:pPr lvl="1"/>
+            <a:r>
+              <a:rPr lang="en-GB" dirty="0">
+                <a:hlinkClick r:id="rId3"/>
+              </a:rPr>
+              <a:t>https://www.py4e.com/lessons/Objects</a:t>
+            </a:r>
+            <a:endParaRPr lang="en-GB" dirty="0"/>
+          </a:p>
+          <a:p>
+            <a:pPr lvl="1"/>
             <a:endParaRPr lang="en-GB" dirty="0"/>
           </a:p>
           <a:p>
@@ -4363,9 +4307,10 @@
               <a:t>Effective Python: 59 Ways to Write Better Python by Brett </a:t>
             </a:r>
             <a:r>
-              <a:rPr lang="en-US"/>
+              <a:rPr lang="en-US" dirty="0" err="1"/>
               <a:t>Slatkin</a:t>
             </a:r>
+            <a:endParaRPr lang="en-US" dirty="0"/>
           </a:p>
           <a:p>
             <a:pPr marL="0" indent="0">
@@ -4379,6 +4324,98 @@
     <p:extLst>
       <p:ext uri="{BB962C8B-B14F-4D97-AF65-F5344CB8AC3E}">
         <p14:creationId xmlns:p14="http://schemas.microsoft.com/office/powerpoint/2010/main" val="230250542"/>
+      </p:ext>
+    </p:extLst>
+  </p:cSld>
+  <p:clrMapOvr>
+    <a:masterClrMapping/>
+  </p:clrMapOvr>
+</p:sld>
+</file>
+
+<file path=ppt/slides/slide7.xml><?xml version="1.0" encoding="utf-8"?>
+<p:sld xmlns:a="http://schemas.openxmlformats.org/drawingml/2006/main" xmlns:r="http://schemas.openxmlformats.org/officeDocument/2006/relationships" xmlns:p="http://schemas.openxmlformats.org/presentationml/2006/main">
+  <p:cSld>
+    <p:spTree>
+      <p:nvGrpSpPr>
+        <p:cNvPr id="1" name=""/>
+        <p:cNvGrpSpPr/>
+        <p:nvPr/>
+      </p:nvGrpSpPr>
+      <p:grpSpPr>
+        <a:xfrm>
+          <a:off x="0" y="0"/>
+          <a:ext cx="0" cy="0"/>
+          <a:chOff x="0" y="0"/>
+          <a:chExt cx="0" cy="0"/>
+        </a:xfrm>
+      </p:grpSpPr>
+      <p:sp>
+        <p:nvSpPr>
+          <p:cNvPr id="2" name="Title 1">
+            <a:extLst>
+              <a:ext uri="{FF2B5EF4-FFF2-40B4-BE49-F238E27FC236}">
+                <a16:creationId xmlns:a16="http://schemas.microsoft.com/office/drawing/2014/main" id="{7C12AB8A-2EA7-4F32-A91D-FD66238325D8}"/>
+              </a:ext>
+            </a:extLst>
+          </p:cNvPr>
+          <p:cNvSpPr>
+            <a:spLocks noGrp="1"/>
+          </p:cNvSpPr>
+          <p:nvPr>
+            <p:ph type="title"/>
+          </p:nvPr>
+        </p:nvSpPr>
+        <p:spPr/>
+        <p:txBody>
+          <a:bodyPr/>
+          <a:lstStyle/>
+          <a:p>
+            <a:r>
+              <a:rPr lang="en-GB" dirty="0"/>
+              <a:t>Please give me feedback!</a:t>
+            </a:r>
+          </a:p>
+        </p:txBody>
+      </p:sp>
+      <p:sp>
+        <p:nvSpPr>
+          <p:cNvPr id="3" name="Content Placeholder 2">
+            <a:extLst>
+              <a:ext uri="{FF2B5EF4-FFF2-40B4-BE49-F238E27FC236}">
+                <a16:creationId xmlns:a16="http://schemas.microsoft.com/office/drawing/2014/main" id="{A265C1E8-D894-407F-835F-1A9DD8E21B3F}"/>
+              </a:ext>
+            </a:extLst>
+          </p:cNvPr>
+          <p:cNvSpPr>
+            <a:spLocks noGrp="1"/>
+          </p:cNvSpPr>
+          <p:nvPr>
+            <p:ph idx="1"/>
+          </p:nvPr>
+        </p:nvSpPr>
+        <p:spPr/>
+        <p:txBody>
+          <a:bodyPr/>
+          <a:lstStyle/>
+          <a:p>
+            <a:r>
+              <a:rPr lang="en-GB" b="1" dirty="0">
+                <a:hlinkClick r:id="rId2"/>
+              </a:rPr>
+              <a:t>https://tinyurl.com/SNPython</a:t>
+            </a:r>
+            <a:endParaRPr lang="en-GB" b="1" dirty="0"/>
+          </a:p>
+          <a:p>
+            <a:endParaRPr lang="en-GB" dirty="0"/>
+          </a:p>
+        </p:txBody>
+      </p:sp>
+    </p:spTree>
+    <p:extLst>
+      <p:ext uri="{BB962C8B-B14F-4D97-AF65-F5344CB8AC3E}">
+        <p14:creationId xmlns:p14="http://schemas.microsoft.com/office/powerpoint/2010/main" val="888759475"/>
       </p:ext>
     </p:extLst>
   </p:cSld>

--- a/lectures/5_resources_and_feedback.pptx
+++ b/lectures/5_resources_and_feedback.pptx
@@ -5,7 +5,7 @@
     <p:sldMasterId id="2147483660" r:id="rId1"/>
   </p:sldMasterIdLst>
   <p:notesMasterIdLst>
-    <p:notesMasterId r:id="rId9"/>
+    <p:notesMasterId r:id="rId10"/>
   </p:notesMasterIdLst>
   <p:sldIdLst>
     <p:sldId id="279" r:id="rId2"/>
@@ -15,6 +15,7 @@
     <p:sldId id="282" r:id="rId6"/>
     <p:sldId id="283" r:id="rId7"/>
     <p:sldId id="284" r:id="rId8"/>
+    <p:sldId id="285" r:id="rId9"/>
   </p:sldIdLst>
   <p:sldSz cx="12192000" cy="6858000"/>
   <p:notesSz cx="6858000" cy="9144000"/>
@@ -3792,7 +3793,7 @@
           <a:p>
             <a:r>
               <a:rPr lang="en-GB" dirty="0"/>
-              <a:t>Enter a </a:t>
+              <a:t>Try a </a:t>
             </a:r>
             <a:r>
               <a:rPr lang="en-GB" dirty="0">
@@ -3801,13 +3802,6 @@
               <a:t>Kaggle competition</a:t>
             </a:r>
             <a:endParaRPr lang="en-GB" dirty="0"/>
-          </a:p>
-          <a:p>
-            <a:pPr lvl="1"/>
-            <a:r>
-              <a:rPr lang="en-GB" dirty="0"/>
-              <a:t>(or look at old datasets)</a:t>
-            </a:r>
           </a:p>
           <a:p>
             <a:r>
@@ -4416,6 +4410,152 @@
     <p:extLst>
       <p:ext uri="{BB962C8B-B14F-4D97-AF65-F5344CB8AC3E}">
         <p14:creationId xmlns:p14="http://schemas.microsoft.com/office/powerpoint/2010/main" val="888759475"/>
+      </p:ext>
+    </p:extLst>
+  </p:cSld>
+  <p:clrMapOvr>
+    <a:masterClrMapping/>
+  </p:clrMapOvr>
+</p:sld>
+</file>
+
+<file path=ppt/slides/slide8.xml><?xml version="1.0" encoding="utf-8"?>
+<p:sld xmlns:a="http://schemas.openxmlformats.org/drawingml/2006/main" xmlns:r="http://schemas.openxmlformats.org/officeDocument/2006/relationships" xmlns:p="http://schemas.openxmlformats.org/presentationml/2006/main">
+  <p:cSld>
+    <p:spTree>
+      <p:nvGrpSpPr>
+        <p:cNvPr id="1" name=""/>
+        <p:cNvGrpSpPr/>
+        <p:nvPr/>
+      </p:nvGrpSpPr>
+      <p:grpSpPr>
+        <a:xfrm>
+          <a:off x="0" y="0"/>
+          <a:ext cx="0" cy="0"/>
+          <a:chOff x="0" y="0"/>
+          <a:chExt cx="0" cy="0"/>
+        </a:xfrm>
+      </p:grpSpPr>
+      <p:sp>
+        <p:nvSpPr>
+          <p:cNvPr id="2" name="Title 1">
+            <a:extLst>
+              <a:ext uri="{FF2B5EF4-FFF2-40B4-BE49-F238E27FC236}">
+                <a16:creationId xmlns:a16="http://schemas.microsoft.com/office/drawing/2014/main" id="{FD5FF6BB-50CE-4CF8-9733-43153E976558}"/>
+              </a:ext>
+            </a:extLst>
+          </p:cNvPr>
+          <p:cNvSpPr>
+            <a:spLocks noGrp="1"/>
+          </p:cNvSpPr>
+          <p:nvPr>
+            <p:ph type="title"/>
+          </p:nvPr>
+        </p:nvSpPr>
+        <p:spPr/>
+        <p:txBody>
+          <a:bodyPr/>
+          <a:lstStyle/>
+          <a:p>
+            <a:r>
+              <a:rPr lang="en-GB" dirty="0"/>
+              <a:t>This afternoon</a:t>
+            </a:r>
+          </a:p>
+        </p:txBody>
+      </p:sp>
+      <p:sp>
+        <p:nvSpPr>
+          <p:cNvPr id="3" name="Content Placeholder 2">
+            <a:extLst>
+              <a:ext uri="{FF2B5EF4-FFF2-40B4-BE49-F238E27FC236}">
+                <a16:creationId xmlns:a16="http://schemas.microsoft.com/office/drawing/2014/main" id="{BFDFC9E4-8ED6-48F0-B125-3EAEBB4BE701}"/>
+              </a:ext>
+            </a:extLst>
+          </p:cNvPr>
+          <p:cNvSpPr>
+            <a:spLocks noGrp="1"/>
+          </p:cNvSpPr>
+          <p:nvPr>
+            <p:ph idx="1"/>
+          </p:nvPr>
+        </p:nvSpPr>
+        <p:spPr/>
+        <p:txBody>
+          <a:bodyPr>
+            <a:normAutofit lnSpcReduction="10000"/>
+          </a:bodyPr>
+          <a:lstStyle/>
+          <a:p>
+            <a:r>
+              <a:rPr lang="en-GB" dirty="0"/>
+              <a:t>Start on data analysis</a:t>
+            </a:r>
+          </a:p>
+          <a:p>
+            <a:r>
+              <a:rPr lang="en-GB" dirty="0"/>
+              <a:t>Be able to ask any questions and discuss problems you run into</a:t>
+            </a:r>
+          </a:p>
+          <a:p>
+            <a:r>
+              <a:rPr lang="en-GB" dirty="0"/>
+              <a:t>BYOD (Bring your own dataset) or use these suggested datasets:</a:t>
+            </a:r>
+          </a:p>
+          <a:p>
+            <a:pPr lvl="1"/>
+            <a:r>
+              <a:rPr lang="en-GB" dirty="0"/>
+              <a:t>Frontiers in Neuroscience articles: </a:t>
+            </a:r>
+            <a:r>
+              <a:rPr lang="en-GB" dirty="0">
+                <a:hlinkClick r:id="rId2"/>
+              </a:rPr>
+              <a:t>https://www.kaggle.com/markoarezina/frontiers-in-neuroscience-articles#neuroscience_articles.csv</a:t>
+            </a:r>
+            <a:endParaRPr lang="en-GB" dirty="0"/>
+          </a:p>
+          <a:p>
+            <a:pPr lvl="1"/>
+            <a:r>
+              <a:rPr lang="en-GB" dirty="0" err="1"/>
+              <a:t>Ephys</a:t>
+            </a:r>
+            <a:r>
+              <a:rPr lang="en-GB" dirty="0"/>
+              <a:t> data: </a:t>
+            </a:r>
+            <a:r>
+              <a:rPr lang="en-GB" dirty="0">
+                <a:hlinkClick r:id="rId3"/>
+              </a:rPr>
+              <a:t>https://janelia.figshare.com/articles/Recordings_of_ten_thousand_neurons_in_visual_cortex_during_spontaneous_behaviors/6163622</a:t>
+            </a:r>
+            <a:endParaRPr lang="en-GB" dirty="0"/>
+          </a:p>
+          <a:p>
+            <a:pPr lvl="1"/>
+            <a:r>
+              <a:rPr lang="en-GB" dirty="0"/>
+              <a:t>EEG data: </a:t>
+            </a:r>
+            <a:r>
+              <a:rPr lang="en-GB" dirty="0">
+                <a:hlinkClick r:id="rId4"/>
+              </a:rPr>
+              <a:t>https://www.kaggle.com/wanghaohan/confused-eeg</a:t>
+            </a:r>
+            <a:endParaRPr lang="en-GB" dirty="0"/>
+          </a:p>
+        </p:txBody>
+      </p:sp>
+    </p:spTree>
+    <p:extLst>
+      <p:ext uri="{BB962C8B-B14F-4D97-AF65-F5344CB8AC3E}">
+        <p14:creationId xmlns:p14="http://schemas.microsoft.com/office/powerpoint/2010/main" val="717899028"/>
       </p:ext>
     </p:extLst>
   </p:cSld>
